--- a/poster/posterIdeas.pptx
+++ b/poster/posterIdeas.pptx
@@ -7,8 +7,9 @@
   <p:sldIdLst>
     <p:sldId id="256" r:id="rId2"/>
     <p:sldId id="258" r:id="rId3"/>
-    <p:sldId id="259" r:id="rId4"/>
-    <p:sldId id="257" r:id="rId5"/>
+    <p:sldId id="260" r:id="rId4"/>
+    <p:sldId id="259" r:id="rId5"/>
+    <p:sldId id="257" r:id="rId6"/>
   </p:sldIdLst>
   <p:sldSz cx="43891200" cy="32918400"/>
   <p:notesSz cx="9144000" cy="6858000"/>
@@ -110,7 +111,7 @@
   <p:extLst>
     <p:ext uri="{EFAFB233-063F-42B5-8137-9DF3F51BA10A}">
       <p15:sldGuideLst xmlns:p15="http://schemas.microsoft.com/office/powerpoint/2012/main">
-        <p15:guide id="1" orient="horz" pos="10344" userDrawn="1">
+        <p15:guide id="1" orient="horz" pos="10320" userDrawn="1">
           <p15:clr>
             <a:srgbClr val="A4A3A4"/>
           </p15:clr>
@@ -257,7 +258,7 @@
           <a:p>
             <a:fld id="{4756CA60-0759-4858-8696-264AFE9E7220}" type="datetimeFigureOut">
               <a:rPr lang="en-US" smtClean="0"/>
-              <a:t>5/13/2018</a:t>
+              <a:t>5/14/2018</a:t>
             </a:fld>
             <a:endParaRPr lang="en-US"/>
           </a:p>
@@ -427,7 +428,7 @@
           <a:p>
             <a:fld id="{4756CA60-0759-4858-8696-264AFE9E7220}" type="datetimeFigureOut">
               <a:rPr lang="en-US" smtClean="0"/>
-              <a:t>5/13/2018</a:t>
+              <a:t>5/14/2018</a:t>
             </a:fld>
             <a:endParaRPr lang="en-US"/>
           </a:p>
@@ -607,7 +608,7 @@
           <a:p>
             <a:fld id="{4756CA60-0759-4858-8696-264AFE9E7220}" type="datetimeFigureOut">
               <a:rPr lang="en-US" smtClean="0"/>
-              <a:t>5/13/2018</a:t>
+              <a:t>5/14/2018</a:t>
             </a:fld>
             <a:endParaRPr lang="en-US"/>
           </a:p>
@@ -777,7 +778,7 @@
           <a:p>
             <a:fld id="{4756CA60-0759-4858-8696-264AFE9E7220}" type="datetimeFigureOut">
               <a:rPr lang="en-US" smtClean="0"/>
-              <a:t>5/13/2018</a:t>
+              <a:t>5/14/2018</a:t>
             </a:fld>
             <a:endParaRPr lang="en-US"/>
           </a:p>
@@ -1021,7 +1022,7 @@
           <a:p>
             <a:fld id="{4756CA60-0759-4858-8696-264AFE9E7220}" type="datetimeFigureOut">
               <a:rPr lang="en-US" smtClean="0"/>
-              <a:t>5/13/2018</a:t>
+              <a:t>5/14/2018</a:t>
             </a:fld>
             <a:endParaRPr lang="en-US"/>
           </a:p>
@@ -1253,7 +1254,7 @@
           <a:p>
             <a:fld id="{4756CA60-0759-4858-8696-264AFE9E7220}" type="datetimeFigureOut">
               <a:rPr lang="en-US" smtClean="0"/>
-              <a:t>5/13/2018</a:t>
+              <a:t>5/14/2018</a:t>
             </a:fld>
             <a:endParaRPr lang="en-US"/>
           </a:p>
@@ -1620,7 +1621,7 @@
           <a:p>
             <a:fld id="{4756CA60-0759-4858-8696-264AFE9E7220}" type="datetimeFigureOut">
               <a:rPr lang="en-US" smtClean="0"/>
-              <a:t>5/13/2018</a:t>
+              <a:t>5/14/2018</a:t>
             </a:fld>
             <a:endParaRPr lang="en-US"/>
           </a:p>
@@ -1738,7 +1739,7 @@
           <a:p>
             <a:fld id="{4756CA60-0759-4858-8696-264AFE9E7220}" type="datetimeFigureOut">
               <a:rPr lang="en-US" smtClean="0"/>
-              <a:t>5/13/2018</a:t>
+              <a:t>5/14/2018</a:t>
             </a:fld>
             <a:endParaRPr lang="en-US"/>
           </a:p>
@@ -1833,7 +1834,7 @@
           <a:p>
             <a:fld id="{4756CA60-0759-4858-8696-264AFE9E7220}" type="datetimeFigureOut">
               <a:rPr lang="en-US" smtClean="0"/>
-              <a:t>5/13/2018</a:t>
+              <a:t>5/14/2018</a:t>
             </a:fld>
             <a:endParaRPr lang="en-US"/>
           </a:p>
@@ -2110,7 +2111,7 @@
           <a:p>
             <a:fld id="{4756CA60-0759-4858-8696-264AFE9E7220}" type="datetimeFigureOut">
               <a:rPr lang="en-US" smtClean="0"/>
-              <a:t>5/13/2018</a:t>
+              <a:t>5/14/2018</a:t>
             </a:fld>
             <a:endParaRPr lang="en-US"/>
           </a:p>
@@ -2367,7 +2368,7 @@
           <a:p>
             <a:fld id="{4756CA60-0759-4858-8696-264AFE9E7220}" type="datetimeFigureOut">
               <a:rPr lang="en-US" smtClean="0"/>
-              <a:t>5/13/2018</a:t>
+              <a:t>5/14/2018</a:t>
             </a:fld>
             <a:endParaRPr lang="en-US"/>
           </a:p>
@@ -2580,7 +2581,7 @@
           <a:p>
             <a:fld id="{4756CA60-0759-4858-8696-264AFE9E7220}" type="datetimeFigureOut">
               <a:rPr lang="en-US" smtClean="0"/>
-              <a:t>5/13/2018</a:t>
+              <a:t>5/14/2018</a:t>
             </a:fld>
             <a:endParaRPr lang="en-US"/>
           </a:p>
@@ -4126,7 +4127,7 @@
           <a:p>
             <a:r>
               <a:rPr lang="en-US" sz="19900" dirty="0"/>
-              <a:t>Potential Option 3</a:t>
+              <a:t>Potential Option </a:t>
             </a:r>
           </a:p>
         </p:txBody>
@@ -4220,7 +4221,7 @@
         <p:spPr>
           <a:xfrm>
             <a:off x="381016" y="4652025"/>
-            <a:ext cx="13167329" cy="7143735"/>
+            <a:ext cx="13167329" cy="10271760"/>
           </a:xfrm>
           <a:prstGeom prst="rect">
             <a:avLst/>
@@ -4282,8 +4283,8 @@
         </p:nvSpPr>
         <p:spPr>
           <a:xfrm>
-            <a:off x="373394" y="13449339"/>
-            <a:ext cx="13167329" cy="7143736"/>
+            <a:off x="563911" y="19770090"/>
+            <a:ext cx="13167329" cy="8496285"/>
           </a:xfrm>
           <a:prstGeom prst="rect">
             <a:avLst/>
@@ -4343,7 +4344,7 @@
         </p:nvSpPr>
         <p:spPr>
           <a:xfrm>
-            <a:off x="685801" y="21633195"/>
+            <a:off x="15064755" y="5539762"/>
             <a:ext cx="13167329" cy="8496285"/>
           </a:xfrm>
           <a:prstGeom prst="rect">
@@ -4404,7 +4405,7 @@
         </p:nvSpPr>
         <p:spPr>
           <a:xfrm>
-            <a:off x="15064753" y="4953054"/>
+            <a:off x="15064754" y="18882354"/>
             <a:ext cx="13167329" cy="8496285"/>
           </a:xfrm>
           <a:prstGeom prst="rect">
@@ -4465,8 +4466,8 @@
         </p:nvSpPr>
         <p:spPr>
           <a:xfrm>
-            <a:off x="15377160" y="14245598"/>
-            <a:ext cx="13167329" cy="15883882"/>
+            <a:off x="29458951" y="4305315"/>
+            <a:ext cx="13167329" cy="24544005"/>
           </a:xfrm>
           <a:prstGeom prst="rect">
             <a:avLst/>
@@ -4509,6 +4510,461 @@
                   <a:schemeClr val="tx1"/>
                 </a:solidFill>
               </a:rPr>
+              <a:t>App details?</a:t>
+            </a:r>
+          </a:p>
+        </p:txBody>
+      </p:sp>
+    </p:spTree>
+    <p:extLst>
+      <p:ext uri="{BB962C8B-B14F-4D97-AF65-F5344CB8AC3E}">
+        <p14:creationId xmlns:p14="http://schemas.microsoft.com/office/powerpoint/2010/main" val="3752821136"/>
+      </p:ext>
+    </p:extLst>
+  </p:cSld>
+  <p:clrMapOvr>
+    <a:masterClrMapping/>
+  </p:clrMapOvr>
+</p:sld>
+</file>
+
+<file path=ppt/slides/slide4.xml><?xml version="1.0" encoding="utf-8"?>
+<p:sld xmlns:a="http://schemas.openxmlformats.org/drawingml/2006/main" xmlns:r="http://schemas.openxmlformats.org/officeDocument/2006/relationships" xmlns:p="http://schemas.openxmlformats.org/presentationml/2006/main">
+  <p:cSld>
+    <p:spTree>
+      <p:nvGrpSpPr>
+        <p:cNvPr id="1" name=""/>
+        <p:cNvGrpSpPr/>
+        <p:nvPr/>
+      </p:nvGrpSpPr>
+      <p:grpSpPr>
+        <a:xfrm>
+          <a:off x="0" y="0"/>
+          <a:ext cx="0" cy="0"/>
+          <a:chOff x="0" y="0"/>
+          <a:chExt cx="0" cy="0"/>
+        </a:xfrm>
+      </p:grpSpPr>
+      <p:sp>
+        <p:nvSpPr>
+          <p:cNvPr id="6" name="TextBox 5">
+            <a:extLst>
+              <a:ext uri="{FF2B5EF4-FFF2-40B4-BE49-F238E27FC236}">
+                <a16:creationId xmlns:a16="http://schemas.microsoft.com/office/drawing/2014/main" id="{EC2048AC-795B-4E16-BC9B-4856FFE8C735}"/>
+              </a:ext>
+            </a:extLst>
+          </p:cNvPr>
+          <p:cNvSpPr txBox="1"/>
+          <p:nvPr/>
+        </p:nvSpPr>
+        <p:spPr>
+          <a:xfrm>
+            <a:off x="1645920" y="594360"/>
+            <a:ext cx="40005000" cy="3154710"/>
+          </a:xfrm>
+          <a:prstGeom prst="rect">
+            <a:avLst/>
+          </a:prstGeom>
+          <a:noFill/>
+          <a:ln w="76200">
+            <a:solidFill>
+              <a:schemeClr val="accent6">
+                <a:lumMod val="75000"/>
+              </a:schemeClr>
+            </a:solidFill>
+          </a:ln>
+        </p:spPr>
+        <p:txBody>
+          <a:bodyPr wrap="square" rtlCol="0">
+            <a:spAutoFit/>
+          </a:bodyPr>
+          <a:lstStyle/>
+          <a:p>
+            <a:r>
+              <a:rPr lang="en-US" sz="19900" dirty="0"/>
+              <a:t>Potential Option 3</a:t>
+            </a:r>
+          </a:p>
+        </p:txBody>
+      </p:sp>
+      <p:cxnSp>
+        <p:nvCxnSpPr>
+          <p:cNvPr id="8" name="Straight Connector 7">
+            <a:extLst>
+              <a:ext uri="{FF2B5EF4-FFF2-40B4-BE49-F238E27FC236}">
+                <a16:creationId xmlns:a16="http://schemas.microsoft.com/office/drawing/2014/main" id="{AF7C0932-218E-492E-A31E-60D27685BA99}"/>
+              </a:ext>
+            </a:extLst>
+          </p:cNvPr>
+          <p:cNvCxnSpPr/>
+          <p:nvPr/>
+        </p:nvCxnSpPr>
+        <p:spPr>
+          <a:xfrm>
+            <a:off x="14310360" y="4267200"/>
+            <a:ext cx="0" cy="26791920"/>
+          </a:xfrm>
+          <a:prstGeom prst="line">
+            <a:avLst/>
+          </a:prstGeom>
+          <a:ln w="76200"/>
+        </p:spPr>
+        <p:style>
+          <a:lnRef idx="1">
+            <a:schemeClr val="accent1"/>
+          </a:lnRef>
+          <a:fillRef idx="0">
+            <a:schemeClr val="accent1"/>
+          </a:fillRef>
+          <a:effectRef idx="0">
+            <a:schemeClr val="accent1"/>
+          </a:effectRef>
+          <a:fontRef idx="minor">
+            <a:schemeClr val="tx1"/>
+          </a:fontRef>
+        </p:style>
+      </p:cxnSp>
+      <p:cxnSp>
+        <p:nvCxnSpPr>
+          <p:cNvPr id="9" name="Straight Connector 8">
+            <a:extLst>
+              <a:ext uri="{FF2B5EF4-FFF2-40B4-BE49-F238E27FC236}">
+                <a16:creationId xmlns:a16="http://schemas.microsoft.com/office/drawing/2014/main" id="{E380133D-81B5-41D9-B5B9-E36A4AB53E20}"/>
+              </a:ext>
+            </a:extLst>
+          </p:cNvPr>
+          <p:cNvCxnSpPr/>
+          <p:nvPr/>
+        </p:nvCxnSpPr>
+        <p:spPr>
+          <a:xfrm>
+            <a:off x="29001720" y="4267200"/>
+            <a:ext cx="0" cy="26791920"/>
+          </a:xfrm>
+          <a:prstGeom prst="line">
+            <a:avLst/>
+          </a:prstGeom>
+          <a:ln w="76200"/>
+        </p:spPr>
+        <p:style>
+          <a:lnRef idx="1">
+            <a:schemeClr val="accent1"/>
+          </a:lnRef>
+          <a:fillRef idx="0">
+            <a:schemeClr val="accent1"/>
+          </a:fillRef>
+          <a:effectRef idx="0">
+            <a:schemeClr val="accent1"/>
+          </a:effectRef>
+          <a:fontRef idx="minor">
+            <a:schemeClr val="tx1"/>
+          </a:fontRef>
+        </p:style>
+      </p:cxnSp>
+      <p:sp>
+        <p:nvSpPr>
+          <p:cNvPr id="12" name="Rectangle 11">
+            <a:extLst>
+              <a:ext uri="{FF2B5EF4-FFF2-40B4-BE49-F238E27FC236}">
+                <a16:creationId xmlns:a16="http://schemas.microsoft.com/office/drawing/2014/main" id="{978AED7C-0473-4ABC-8C17-DE02523C2706}"/>
+              </a:ext>
+            </a:extLst>
+          </p:cNvPr>
+          <p:cNvSpPr/>
+          <p:nvPr/>
+        </p:nvSpPr>
+        <p:spPr>
+          <a:xfrm>
+            <a:off x="381016" y="4652025"/>
+            <a:ext cx="13167329" cy="7143735"/>
+          </a:xfrm>
+          <a:prstGeom prst="rect">
+            <a:avLst/>
+          </a:prstGeom>
+          <a:solidFill>
+            <a:schemeClr val="bg1"/>
+          </a:solidFill>
+          <a:ln w="76200">
+            <a:solidFill>
+              <a:schemeClr val="accent6">
+                <a:lumMod val="75000"/>
+              </a:schemeClr>
+            </a:solidFill>
+          </a:ln>
+        </p:spPr>
+        <p:style>
+          <a:lnRef idx="2">
+            <a:schemeClr val="accent1">
+              <a:shade val="50000"/>
+            </a:schemeClr>
+          </a:lnRef>
+          <a:fillRef idx="1">
+            <a:schemeClr val="accent1"/>
+          </a:fillRef>
+          <a:effectRef idx="0">
+            <a:schemeClr val="accent1"/>
+          </a:effectRef>
+          <a:fontRef idx="minor">
+            <a:schemeClr val="lt1"/>
+          </a:fontRef>
+        </p:style>
+        <p:txBody>
+          <a:bodyPr rtlCol="0" anchor="ctr"/>
+          <a:lstStyle/>
+          <a:p>
+            <a:pPr algn="ctr"/>
+            <a:r>
+              <a:rPr lang="en-US" sz="9600" dirty="0">
+                <a:solidFill>
+                  <a:schemeClr val="tx1"/>
+                </a:solidFill>
+              </a:rPr>
+              <a:t>Abstract</a:t>
+            </a:r>
+          </a:p>
+        </p:txBody>
+      </p:sp>
+      <p:sp>
+        <p:nvSpPr>
+          <p:cNvPr id="13" name="Rectangle 12">
+            <a:extLst>
+              <a:ext uri="{FF2B5EF4-FFF2-40B4-BE49-F238E27FC236}">
+                <a16:creationId xmlns:a16="http://schemas.microsoft.com/office/drawing/2014/main" id="{AB9BE64C-C510-436C-98F6-C1F048C1F4B1}"/>
+              </a:ext>
+            </a:extLst>
+          </p:cNvPr>
+          <p:cNvSpPr/>
+          <p:nvPr/>
+        </p:nvSpPr>
+        <p:spPr>
+          <a:xfrm>
+            <a:off x="373394" y="13449339"/>
+            <a:ext cx="13167329" cy="7143736"/>
+          </a:xfrm>
+          <a:prstGeom prst="rect">
+            <a:avLst/>
+          </a:prstGeom>
+          <a:solidFill>
+            <a:schemeClr val="bg1"/>
+          </a:solidFill>
+          <a:ln w="76200">
+            <a:solidFill>
+              <a:srgbClr val="FF0000"/>
+            </a:solidFill>
+          </a:ln>
+        </p:spPr>
+        <p:style>
+          <a:lnRef idx="2">
+            <a:schemeClr val="accent1">
+              <a:shade val="50000"/>
+            </a:schemeClr>
+          </a:lnRef>
+          <a:fillRef idx="1">
+            <a:schemeClr val="accent1"/>
+          </a:fillRef>
+          <a:effectRef idx="0">
+            <a:schemeClr val="accent1"/>
+          </a:effectRef>
+          <a:fontRef idx="minor">
+            <a:schemeClr val="lt1"/>
+          </a:fontRef>
+        </p:style>
+        <p:txBody>
+          <a:bodyPr rtlCol="0" anchor="ctr"/>
+          <a:lstStyle/>
+          <a:p>
+            <a:pPr algn="ctr"/>
+            <a:r>
+              <a:rPr lang="en-US" sz="9600" dirty="0">
+                <a:solidFill>
+                  <a:schemeClr val="tx1"/>
+                </a:solidFill>
+              </a:rPr>
+              <a:t>Phase 1?</a:t>
+            </a:r>
+          </a:p>
+        </p:txBody>
+      </p:sp>
+      <p:sp>
+        <p:nvSpPr>
+          <p:cNvPr id="14" name="Rectangle 13">
+            <a:extLst>
+              <a:ext uri="{FF2B5EF4-FFF2-40B4-BE49-F238E27FC236}">
+                <a16:creationId xmlns:a16="http://schemas.microsoft.com/office/drawing/2014/main" id="{1C7CBF22-7685-4983-B325-92E6A888A20A}"/>
+              </a:ext>
+            </a:extLst>
+          </p:cNvPr>
+          <p:cNvSpPr/>
+          <p:nvPr/>
+        </p:nvSpPr>
+        <p:spPr>
+          <a:xfrm>
+            <a:off x="685801" y="21633195"/>
+            <a:ext cx="13167329" cy="8496285"/>
+          </a:xfrm>
+          <a:prstGeom prst="rect">
+            <a:avLst/>
+          </a:prstGeom>
+          <a:solidFill>
+            <a:schemeClr val="bg1"/>
+          </a:solidFill>
+          <a:ln w="76200">
+            <a:solidFill>
+              <a:srgbClr val="FF0000"/>
+            </a:solidFill>
+          </a:ln>
+        </p:spPr>
+        <p:style>
+          <a:lnRef idx="2">
+            <a:schemeClr val="accent1">
+              <a:shade val="50000"/>
+            </a:schemeClr>
+          </a:lnRef>
+          <a:fillRef idx="1">
+            <a:schemeClr val="accent1"/>
+          </a:fillRef>
+          <a:effectRef idx="0">
+            <a:schemeClr val="accent1"/>
+          </a:effectRef>
+          <a:fontRef idx="minor">
+            <a:schemeClr val="lt1"/>
+          </a:fontRef>
+        </p:style>
+        <p:txBody>
+          <a:bodyPr rtlCol="0" anchor="ctr"/>
+          <a:lstStyle/>
+          <a:p>
+            <a:pPr algn="ctr"/>
+            <a:r>
+              <a:rPr lang="en-US" sz="9600" dirty="0">
+                <a:solidFill>
+                  <a:schemeClr val="tx1"/>
+                </a:solidFill>
+              </a:rPr>
+              <a:t>Phase 2?</a:t>
+            </a:r>
+          </a:p>
+        </p:txBody>
+      </p:sp>
+      <p:sp>
+        <p:nvSpPr>
+          <p:cNvPr id="15" name="Rectangle 14">
+            <a:extLst>
+              <a:ext uri="{FF2B5EF4-FFF2-40B4-BE49-F238E27FC236}">
+                <a16:creationId xmlns:a16="http://schemas.microsoft.com/office/drawing/2014/main" id="{C61E8890-EA7C-44B7-BBA0-002585BE2C1F}"/>
+              </a:ext>
+            </a:extLst>
+          </p:cNvPr>
+          <p:cNvSpPr/>
+          <p:nvPr/>
+        </p:nvSpPr>
+        <p:spPr>
+          <a:xfrm>
+            <a:off x="15064753" y="4953054"/>
+            <a:ext cx="13167329" cy="8496285"/>
+          </a:xfrm>
+          <a:prstGeom prst="rect">
+            <a:avLst/>
+          </a:prstGeom>
+          <a:solidFill>
+            <a:schemeClr val="bg1"/>
+          </a:solidFill>
+          <a:ln w="76200">
+            <a:solidFill>
+              <a:srgbClr val="FF0000"/>
+            </a:solidFill>
+          </a:ln>
+        </p:spPr>
+        <p:style>
+          <a:lnRef idx="2">
+            <a:schemeClr val="accent1">
+              <a:shade val="50000"/>
+            </a:schemeClr>
+          </a:lnRef>
+          <a:fillRef idx="1">
+            <a:schemeClr val="accent1"/>
+          </a:fillRef>
+          <a:effectRef idx="0">
+            <a:schemeClr val="accent1"/>
+          </a:effectRef>
+          <a:fontRef idx="minor">
+            <a:schemeClr val="lt1"/>
+          </a:fontRef>
+        </p:style>
+        <p:txBody>
+          <a:bodyPr rtlCol="0" anchor="ctr"/>
+          <a:lstStyle/>
+          <a:p>
+            <a:pPr algn="ctr"/>
+            <a:r>
+              <a:rPr lang="en-US" sz="9600" dirty="0">
+                <a:solidFill>
+                  <a:schemeClr val="tx1"/>
+                </a:solidFill>
+              </a:rPr>
+              <a:t>Phase 3?</a:t>
+            </a:r>
+          </a:p>
+        </p:txBody>
+      </p:sp>
+      <p:sp>
+        <p:nvSpPr>
+          <p:cNvPr id="16" name="Rectangle 15">
+            <a:extLst>
+              <a:ext uri="{FF2B5EF4-FFF2-40B4-BE49-F238E27FC236}">
+                <a16:creationId xmlns:a16="http://schemas.microsoft.com/office/drawing/2014/main" id="{B42115D0-87D8-481C-99ED-325DB6DE41F8}"/>
+              </a:ext>
+            </a:extLst>
+          </p:cNvPr>
+          <p:cNvSpPr/>
+          <p:nvPr/>
+        </p:nvSpPr>
+        <p:spPr>
+          <a:xfrm>
+            <a:off x="15377160" y="14245598"/>
+            <a:ext cx="13167329" cy="15883882"/>
+          </a:xfrm>
+          <a:prstGeom prst="rect">
+            <a:avLst/>
+          </a:prstGeom>
+          <a:solidFill>
+            <a:schemeClr val="bg1"/>
+          </a:solidFill>
+          <a:ln w="76200">
+            <a:solidFill>
+              <a:schemeClr val="accent6">
+                <a:lumMod val="75000"/>
+              </a:schemeClr>
+            </a:solidFill>
+          </a:ln>
+        </p:spPr>
+        <p:style>
+          <a:lnRef idx="2">
+            <a:schemeClr val="accent1">
+              <a:shade val="50000"/>
+            </a:schemeClr>
+          </a:lnRef>
+          <a:fillRef idx="1">
+            <a:schemeClr val="accent1"/>
+          </a:fillRef>
+          <a:effectRef idx="0">
+            <a:schemeClr val="accent1"/>
+          </a:effectRef>
+          <a:fontRef idx="minor">
+            <a:schemeClr val="lt1"/>
+          </a:fontRef>
+        </p:style>
+        <p:txBody>
+          <a:bodyPr rtlCol="0" anchor="ctr"/>
+          <a:lstStyle/>
+          <a:p>
+            <a:pPr algn="ctr"/>
+            <a:r>
+              <a:rPr lang="en-US" sz="9600" dirty="0">
+                <a:solidFill>
+                  <a:schemeClr val="tx1"/>
+                </a:solidFill>
+              </a:rPr>
               <a:t>App images?</a:t>
             </a:r>
           </a:p>
@@ -4649,7 +5105,7 @@
 </p:sld>
 </file>
 
-<file path=ppt/slides/slide4.xml><?xml version="1.0" encoding="utf-8"?>
+<file path=ppt/slides/slide5.xml><?xml version="1.0" encoding="utf-8"?>
 <p:sld xmlns:a="http://schemas.openxmlformats.org/drawingml/2006/main" xmlns:r="http://schemas.openxmlformats.org/officeDocument/2006/relationships" xmlns:p="http://schemas.openxmlformats.org/presentationml/2006/main">
   <p:cSld>
     <p:spTree>
